--- a/Git.pptx
+++ b/Git.pptx
@@ -5,8 +5,8 @@
     <p:sldMasterId id="2147483648" r:id="rId1"/>
   </p:sldMasterIdLst>
   <p:sldIdLst>
-    <p:sldId id="256" r:id="rId2"/>
-    <p:sldId id="257" r:id="rId3"/>
+    <p:sldId id="257" r:id="rId2"/>
+    <p:sldId id="274" r:id="rId3"/>
     <p:sldId id="258" r:id="rId4"/>
     <p:sldId id="259" r:id="rId5"/>
     <p:sldId id="260" r:id="rId6"/>
@@ -121,6 +121,11 @@
       </a:defRPr>
     </a:lvl9pPr>
   </p:defaultTextStyle>
+  <p:extLst>
+    <p:ext uri="{EFAFB233-063F-42B5-8137-9DF3F51BA10A}">
+      <p15:sldGuideLst xmlns:p15="http://schemas.microsoft.com/office/powerpoint/2012/main"/>
+    </p:ext>
+  </p:extLst>
 </p:presentation>
 </file>
 
@@ -310,7 +315,7 @@
           <a:p>
             <a:fld id="{4AAD347D-5ACD-4C99-B74B-A9C85AD731AF}" type="datetimeFigureOut">
               <a:rPr lang="en-US" dirty="0"/>
-              <a:t>7/22/2020</a:t>
+              <a:t>7/23/2020</a:t>
             </a:fld>
             <a:endParaRPr lang="en-US" dirty="0"/>
           </a:p>
@@ -580,7 +585,7 @@
           <a:p>
             <a:fld id="{4509A250-FF31-4206-8172-F9D3106AACB1}" type="datetimeFigureOut">
               <a:rPr lang="en-US" dirty="0"/>
-              <a:t>7/22/2020</a:t>
+              <a:t>7/23/2020</a:t>
             </a:fld>
             <a:endParaRPr lang="en-US" dirty="0"/>
           </a:p>
@@ -769,7 +774,7 @@
           <a:p>
             <a:fld id="{4509A250-FF31-4206-8172-F9D3106AACB1}" type="datetimeFigureOut">
               <a:rPr lang="en-US" dirty="0"/>
-              <a:t>7/22/2020</a:t>
+              <a:t>7/23/2020</a:t>
             </a:fld>
             <a:endParaRPr lang="en-US" dirty="0"/>
           </a:p>
@@ -1037,7 +1042,7 @@
           <a:p>
             <a:fld id="{4509A250-FF31-4206-8172-F9D3106AACB1}" type="datetimeFigureOut">
               <a:rPr lang="en-US" dirty="0"/>
-              <a:t>7/22/2020</a:t>
+              <a:t>7/23/2020</a:t>
             </a:fld>
             <a:endParaRPr lang="en-US" dirty="0"/>
           </a:p>
@@ -1373,7 +1378,7 @@
           <a:p>
             <a:fld id="{4509A250-FF31-4206-8172-F9D3106AACB1}" type="datetimeFigureOut">
               <a:rPr lang="en-US" dirty="0"/>
-              <a:t>7/22/2020</a:t>
+              <a:t>7/23/2020</a:t>
             </a:fld>
             <a:endParaRPr lang="en-US" dirty="0"/>
           </a:p>
@@ -1991,7 +1996,7 @@
           <a:p>
             <a:fld id="{4509A250-FF31-4206-8172-F9D3106AACB1}" type="datetimeFigureOut">
               <a:rPr lang="en-US" dirty="0"/>
-              <a:t>7/22/2020</a:t>
+              <a:t>7/23/2020</a:t>
             </a:fld>
             <a:endParaRPr lang="en-US" dirty="0"/>
           </a:p>
@@ -2846,7 +2851,7 @@
           <a:p>
             <a:fld id="{4509A250-FF31-4206-8172-F9D3106AACB1}" type="datetimeFigureOut">
               <a:rPr lang="en-US" dirty="0"/>
-              <a:t>7/22/2020</a:t>
+              <a:t>7/23/2020</a:t>
             </a:fld>
             <a:endParaRPr lang="en-US" dirty="0"/>
           </a:p>
@@ -3011,7 +3016,7 @@
           <a:p>
             <a:fld id="{4509A250-FF31-4206-8172-F9D3106AACB1}" type="datetimeFigureOut">
               <a:rPr lang="en-US" dirty="0"/>
-              <a:t>7/22/2020</a:t>
+              <a:t>7/23/2020</a:t>
             </a:fld>
             <a:endParaRPr lang="en-US" dirty="0"/>
           </a:p>
@@ -3186,7 +3191,7 @@
           <a:p>
             <a:fld id="{4509A250-FF31-4206-8172-F9D3106AACB1}" type="datetimeFigureOut">
               <a:rPr lang="en-US" dirty="0"/>
-              <a:t>7/22/2020</a:t>
+              <a:t>7/23/2020</a:t>
             </a:fld>
             <a:endParaRPr lang="en-US" dirty="0"/>
           </a:p>
@@ -3351,7 +3356,7 @@
           <a:p>
             <a:fld id="{4509A250-FF31-4206-8172-F9D3106AACB1}" type="datetimeFigureOut">
               <a:rPr lang="en-US" dirty="0"/>
-              <a:t>7/22/2020</a:t>
+              <a:t>7/23/2020</a:t>
             </a:fld>
             <a:endParaRPr lang="en-US" dirty="0"/>
           </a:p>
@@ -3593,7 +3598,7 @@
           <a:p>
             <a:fld id="{9796027F-7875-4030-9381-8BD8C4F21935}" type="datetimeFigureOut">
               <a:rPr lang="en-US" dirty="0"/>
-              <a:t>7/22/2020</a:t>
+              <a:t>7/23/2020</a:t>
             </a:fld>
             <a:endParaRPr lang="en-US" dirty="0"/>
           </a:p>
@@ -3880,7 +3885,7 @@
           <a:p>
             <a:fld id="{9796027F-7875-4030-9381-8BD8C4F21935}" type="datetimeFigureOut">
               <a:rPr lang="en-US" dirty="0"/>
-              <a:t>7/22/2020</a:t>
+              <a:t>7/23/2020</a:t>
             </a:fld>
             <a:endParaRPr lang="en-US" dirty="0"/>
           </a:p>
@@ -4319,7 +4324,7 @@
           <a:p>
             <a:fld id="{9796027F-7875-4030-9381-8BD8C4F21935}" type="datetimeFigureOut">
               <a:rPr lang="en-US" dirty="0"/>
-              <a:t>7/22/2020</a:t>
+              <a:t>7/23/2020</a:t>
             </a:fld>
             <a:endParaRPr lang="en-US" dirty="0"/>
           </a:p>
@@ -4432,7 +4437,7 @@
           <a:p>
             <a:fld id="{4509A250-FF31-4206-8172-F9D3106AACB1}" type="datetimeFigureOut">
               <a:rPr lang="en-US" dirty="0"/>
-              <a:t>7/22/2020</a:t>
+              <a:t>7/23/2020</a:t>
             </a:fld>
             <a:endParaRPr lang="en-US" dirty="0"/>
           </a:p>
@@ -4522,7 +4527,7 @@
           <a:p>
             <a:fld id="{4509A250-FF31-4206-8172-F9D3106AACB1}" type="datetimeFigureOut">
               <a:rPr lang="en-US" dirty="0"/>
-              <a:t>7/22/2020</a:t>
+              <a:t>7/23/2020</a:t>
             </a:fld>
             <a:endParaRPr lang="en-US" dirty="0"/>
           </a:p>
@@ -4796,7 +4801,7 @@
           <a:p>
             <a:fld id="{4509A250-FF31-4206-8172-F9D3106AACB1}" type="datetimeFigureOut">
               <a:rPr lang="en-US" dirty="0"/>
-              <a:t>7/22/2020</a:t>
+              <a:t>7/23/2020</a:t>
             </a:fld>
             <a:endParaRPr lang="en-US" dirty="0"/>
           </a:p>
@@ -5066,7 +5071,7 @@
           <a:p>
             <a:fld id="{4509A250-FF31-4206-8172-F9D3106AACB1}" type="datetimeFigureOut">
               <a:rPr lang="en-US" dirty="0"/>
-              <a:t>7/22/2020</a:t>
+              <a:t>7/23/2020</a:t>
             </a:fld>
             <a:endParaRPr lang="en-US" dirty="0"/>
           </a:p>
@@ -5490,7 +5495,7 @@
           <a:p>
             <a:fld id="{4AAD347D-5ACD-4C99-B74B-A9C85AD731AF}" type="datetimeFigureOut">
               <a:rPr lang="en-US" dirty="0"/>
-              <a:t>7/22/2020</a:t>
+              <a:t>7/23/2020</a:t>
             </a:fld>
             <a:endParaRPr lang="en-US" dirty="0"/>
           </a:p>
@@ -6016,21 +6021,100 @@
       </p:grpSpPr>
       <p:sp>
         <p:nvSpPr>
-          <p:cNvPr id="2" name="Title 1"/>
-          <p:cNvSpPr>
-            <a:spLocks noGrp="1"/>
+          <p:cNvPr id="9" name="Title 1"/>
+          <p:cNvSpPr txBox="1">
+            <a:spLocks/>
           </p:cNvSpPr>
-          <p:nvPr>
-            <p:ph type="ctrTitle"/>
-          </p:nvPr>
-        </p:nvSpPr>
-        <p:spPr/>
-        <p:txBody>
-          <a:bodyPr/>
-          <a:lstStyle/>
-          <a:p>
-            <a:r>
-              <a:rPr lang="en-US" dirty="0" err="1" smtClean="0"/>
+          <p:nvPr/>
+        </p:nvSpPr>
+        <p:spPr>
+          <a:xfrm>
+            <a:off x="1154955" y="1447800"/>
+            <a:ext cx="8825658" cy="3329581"/>
+          </a:xfrm>
+          <a:prstGeom prst="rect">
+            <a:avLst/>
+          </a:prstGeom>
+        </p:spPr>
+        <p:txBody>
+          <a:bodyPr vert="horz" lIns="91440" tIns="45720" rIns="91440" bIns="45720" rtlCol="0" anchor="t">
+            <a:noAutofit/>
+          </a:bodyPr>
+          <a:lstStyle>
+            <a:lvl1pPr algn="l" defTabSz="457200" rtl="0" eaLnBrk="1" latinLnBrk="0" hangingPunct="1">
+              <a:spcBef>
+                <a:spcPct val="0"/>
+              </a:spcBef>
+              <a:buNone/>
+              <a:defRPr sz="4200" b="0" i="0" kern="1200">
+                <a:solidFill>
+                  <a:schemeClr val="tx2"/>
+                </a:solidFill>
+                <a:latin typeface="+mj-lt"/>
+                <a:ea typeface="+mj-ea"/>
+                <a:cs typeface="+mj-cs"/>
+              </a:defRPr>
+            </a:lvl1pPr>
+            <a:lvl2pPr eaLnBrk="1" hangingPunct="1">
+              <a:defRPr>
+                <a:solidFill>
+                  <a:schemeClr val="tx2"/>
+                </a:solidFill>
+              </a:defRPr>
+            </a:lvl2pPr>
+            <a:lvl3pPr eaLnBrk="1" hangingPunct="1">
+              <a:defRPr>
+                <a:solidFill>
+                  <a:schemeClr val="tx2"/>
+                </a:solidFill>
+              </a:defRPr>
+            </a:lvl3pPr>
+            <a:lvl4pPr eaLnBrk="1" hangingPunct="1">
+              <a:defRPr>
+                <a:solidFill>
+                  <a:schemeClr val="tx2"/>
+                </a:solidFill>
+              </a:defRPr>
+            </a:lvl4pPr>
+            <a:lvl5pPr eaLnBrk="1" hangingPunct="1">
+              <a:defRPr>
+                <a:solidFill>
+                  <a:schemeClr val="tx2"/>
+                </a:solidFill>
+              </a:defRPr>
+            </a:lvl5pPr>
+            <a:lvl6pPr eaLnBrk="1" hangingPunct="1">
+              <a:defRPr>
+                <a:solidFill>
+                  <a:schemeClr val="tx2"/>
+                </a:solidFill>
+              </a:defRPr>
+            </a:lvl6pPr>
+            <a:lvl7pPr eaLnBrk="1" hangingPunct="1">
+              <a:defRPr>
+                <a:solidFill>
+                  <a:schemeClr val="tx2"/>
+                </a:solidFill>
+              </a:defRPr>
+            </a:lvl7pPr>
+            <a:lvl8pPr eaLnBrk="1" hangingPunct="1">
+              <a:defRPr>
+                <a:solidFill>
+                  <a:schemeClr val="tx2"/>
+                </a:solidFill>
+              </a:defRPr>
+            </a:lvl8pPr>
+            <a:lvl9pPr eaLnBrk="1" hangingPunct="1">
+              <a:defRPr>
+                <a:solidFill>
+                  <a:schemeClr val="tx2"/>
+                </a:solidFill>
+              </a:defRPr>
+            </a:lvl9pPr>
+          </a:lstStyle>
+          <a:p>
+            <a:r>
+              <a:rPr lang="en-US" smtClean="0"/>
               <a:t>Git</a:t>
             </a:r>
             <a:endParaRPr lang="en-US" dirty="0"/>
@@ -6039,26 +6123,256 @@
       </p:sp>
       <p:sp>
         <p:nvSpPr>
-          <p:cNvPr id="3" name="Subtitle 2"/>
-          <p:cNvSpPr>
-            <a:spLocks noGrp="1"/>
+          <p:cNvPr id="10" name="Subtitle 2"/>
+          <p:cNvSpPr txBox="1">
+            <a:spLocks/>
           </p:cNvSpPr>
-          <p:nvPr>
-            <p:ph type="subTitle" idx="1"/>
-          </p:nvPr>
-        </p:nvSpPr>
-        <p:spPr/>
-        <p:txBody>
-          <a:bodyPr/>
-          <a:lstStyle/>
-          <a:p>
-            <a:r>
-              <a:rPr lang="en-US" dirty="0" smtClean="0"/>
-              <a:t>By Arash </a:t>
-            </a:r>
-            <a:r>
-              <a:rPr lang="en-US" dirty="0" err="1" smtClean="0"/>
-              <a:t>Jafarzadeh</a:t>
+          <p:nvPr/>
+        </p:nvSpPr>
+        <p:spPr>
+          <a:xfrm>
+            <a:off x="1154955" y="4777380"/>
+            <a:ext cx="8825658" cy="861420"/>
+          </a:xfrm>
+          <a:prstGeom prst="rect">
+            <a:avLst/>
+          </a:prstGeom>
+        </p:spPr>
+        <p:txBody>
+          <a:bodyPr vert="horz" lIns="91440" tIns="45720" rIns="91440" bIns="45720" rtlCol="0">
+            <a:normAutofit/>
+          </a:bodyPr>
+          <a:lstStyle>
+            <a:lvl1pPr marL="342900" indent="-342900" algn="l" defTabSz="457200" rtl="0" eaLnBrk="1" latinLnBrk="0" hangingPunct="1">
+              <a:spcBef>
+                <a:spcPts val="1000"/>
+              </a:spcBef>
+              <a:spcAft>
+                <a:spcPts val="0"/>
+              </a:spcAft>
+              <a:buClr>
+                <a:schemeClr val="bg2">
+                  <a:lumMod val="40000"/>
+                  <a:lumOff val="60000"/>
+                </a:schemeClr>
+              </a:buClr>
+              <a:buSzPct val="80000"/>
+              <a:buFont typeface="Wingdings 3" charset="2"/>
+              <a:buChar char=""/>
+              <a:defRPr sz="2000" b="0" i="0" kern="1200">
+                <a:solidFill>
+                  <a:schemeClr val="tx1"/>
+                </a:solidFill>
+                <a:latin typeface="+mj-lt"/>
+                <a:ea typeface="+mj-ea"/>
+                <a:cs typeface="+mj-cs"/>
+              </a:defRPr>
+            </a:lvl1pPr>
+            <a:lvl2pPr marL="742950" indent="-285750" algn="l" defTabSz="457200" rtl="0" eaLnBrk="1" latinLnBrk="0" hangingPunct="1">
+              <a:spcBef>
+                <a:spcPts val="1000"/>
+              </a:spcBef>
+              <a:spcAft>
+                <a:spcPts val="0"/>
+              </a:spcAft>
+              <a:buClr>
+                <a:schemeClr val="bg2">
+                  <a:lumMod val="40000"/>
+                  <a:lumOff val="60000"/>
+                </a:schemeClr>
+              </a:buClr>
+              <a:buSzPct val="80000"/>
+              <a:buFont typeface="Wingdings 3" charset="2"/>
+              <a:buChar char=""/>
+              <a:defRPr sz="1800" b="0" i="0" kern="1200">
+                <a:solidFill>
+                  <a:schemeClr val="tx1"/>
+                </a:solidFill>
+                <a:latin typeface="+mj-lt"/>
+                <a:ea typeface="+mj-ea"/>
+                <a:cs typeface="+mj-cs"/>
+              </a:defRPr>
+            </a:lvl2pPr>
+            <a:lvl3pPr marL="1143000" indent="-228600" algn="l" defTabSz="457200" rtl="0" eaLnBrk="1" latinLnBrk="0" hangingPunct="1">
+              <a:spcBef>
+                <a:spcPts val="1000"/>
+              </a:spcBef>
+              <a:spcAft>
+                <a:spcPts val="0"/>
+              </a:spcAft>
+              <a:buClr>
+                <a:schemeClr val="bg2">
+                  <a:lumMod val="40000"/>
+                  <a:lumOff val="60000"/>
+                </a:schemeClr>
+              </a:buClr>
+              <a:buSzPct val="80000"/>
+              <a:buFont typeface="Wingdings 3" charset="2"/>
+              <a:buChar char=""/>
+              <a:defRPr sz="1600" b="0" i="0" kern="1200">
+                <a:solidFill>
+                  <a:schemeClr val="tx1"/>
+                </a:solidFill>
+                <a:latin typeface="+mj-lt"/>
+                <a:ea typeface="+mj-ea"/>
+                <a:cs typeface="+mj-cs"/>
+              </a:defRPr>
+            </a:lvl3pPr>
+            <a:lvl4pPr marL="1600200" indent="-228600" algn="l" defTabSz="457200" rtl="0" eaLnBrk="1" latinLnBrk="0" hangingPunct="1">
+              <a:spcBef>
+                <a:spcPts val="1000"/>
+              </a:spcBef>
+              <a:spcAft>
+                <a:spcPts val="0"/>
+              </a:spcAft>
+              <a:buClr>
+                <a:schemeClr val="bg2">
+                  <a:lumMod val="40000"/>
+                  <a:lumOff val="60000"/>
+                </a:schemeClr>
+              </a:buClr>
+              <a:buSzPct val="80000"/>
+              <a:buFont typeface="Wingdings 3" charset="2"/>
+              <a:buChar char=""/>
+              <a:defRPr sz="1400" b="0" i="0" kern="1200">
+                <a:solidFill>
+                  <a:schemeClr val="tx1"/>
+                </a:solidFill>
+                <a:latin typeface="+mj-lt"/>
+                <a:ea typeface="+mj-ea"/>
+                <a:cs typeface="+mj-cs"/>
+              </a:defRPr>
+            </a:lvl4pPr>
+            <a:lvl5pPr marL="2057400" indent="-228600" algn="l" defTabSz="457200" rtl="0" eaLnBrk="1" latinLnBrk="0" hangingPunct="1">
+              <a:spcBef>
+                <a:spcPts val="1000"/>
+              </a:spcBef>
+              <a:spcAft>
+                <a:spcPts val="0"/>
+              </a:spcAft>
+              <a:buClr>
+                <a:schemeClr val="bg2">
+                  <a:lumMod val="40000"/>
+                  <a:lumOff val="60000"/>
+                </a:schemeClr>
+              </a:buClr>
+              <a:buSzPct val="80000"/>
+              <a:buFont typeface="Wingdings 3" charset="2"/>
+              <a:buChar char=""/>
+              <a:defRPr sz="1400" b="0" i="0" kern="1200">
+                <a:solidFill>
+                  <a:schemeClr val="tx1"/>
+                </a:solidFill>
+                <a:latin typeface="+mj-lt"/>
+                <a:ea typeface="+mj-ea"/>
+                <a:cs typeface="+mj-cs"/>
+              </a:defRPr>
+            </a:lvl5pPr>
+            <a:lvl6pPr marL="2506000" indent="-228600" algn="l" defTabSz="457200" rtl="0" eaLnBrk="1" latinLnBrk="0" hangingPunct="1">
+              <a:spcBef>
+                <a:spcPts val="1000"/>
+              </a:spcBef>
+              <a:spcAft>
+                <a:spcPts val="0"/>
+              </a:spcAft>
+              <a:buClr>
+                <a:schemeClr val="bg2">
+                  <a:lumMod val="40000"/>
+                  <a:lumOff val="60000"/>
+                </a:schemeClr>
+              </a:buClr>
+              <a:buSzPct val="80000"/>
+              <a:buFont typeface="Wingdings 3" charset="2"/>
+              <a:buChar char=""/>
+              <a:defRPr sz="1400" b="0" i="0" kern="1200">
+                <a:solidFill>
+                  <a:schemeClr val="tx1"/>
+                </a:solidFill>
+                <a:latin typeface="+mj-lt"/>
+                <a:ea typeface="+mj-ea"/>
+                <a:cs typeface="+mj-cs"/>
+              </a:defRPr>
+            </a:lvl6pPr>
+            <a:lvl7pPr marL="2971800" indent="-228600" algn="l" defTabSz="457200" rtl="0" eaLnBrk="1" latinLnBrk="0" hangingPunct="1">
+              <a:spcBef>
+                <a:spcPts val="1000"/>
+              </a:spcBef>
+              <a:spcAft>
+                <a:spcPts val="0"/>
+              </a:spcAft>
+              <a:buClr>
+                <a:schemeClr val="bg2">
+                  <a:lumMod val="40000"/>
+                  <a:lumOff val="60000"/>
+                </a:schemeClr>
+              </a:buClr>
+              <a:buSzPct val="80000"/>
+              <a:buFont typeface="Wingdings 3" charset="2"/>
+              <a:buChar char=""/>
+              <a:defRPr sz="1400" b="0" i="0" kern="1200">
+                <a:solidFill>
+                  <a:schemeClr val="tx1"/>
+                </a:solidFill>
+                <a:latin typeface="+mj-lt"/>
+                <a:ea typeface="+mj-ea"/>
+                <a:cs typeface="+mj-cs"/>
+              </a:defRPr>
+            </a:lvl7pPr>
+            <a:lvl8pPr marL="3429000" indent="-228600" algn="l" defTabSz="457200" rtl="0" eaLnBrk="1" latinLnBrk="0" hangingPunct="1">
+              <a:spcBef>
+                <a:spcPts val="1000"/>
+              </a:spcBef>
+              <a:spcAft>
+                <a:spcPts val="0"/>
+              </a:spcAft>
+              <a:buClr>
+                <a:schemeClr val="bg2">
+                  <a:lumMod val="40000"/>
+                  <a:lumOff val="60000"/>
+                </a:schemeClr>
+              </a:buClr>
+              <a:buSzPct val="80000"/>
+              <a:buFont typeface="Wingdings 3" charset="2"/>
+              <a:buChar char=""/>
+              <a:defRPr sz="1400" b="0" i="0" kern="1200">
+                <a:solidFill>
+                  <a:schemeClr val="tx1"/>
+                </a:solidFill>
+                <a:latin typeface="+mj-lt"/>
+                <a:ea typeface="+mj-ea"/>
+                <a:cs typeface="+mj-cs"/>
+              </a:defRPr>
+            </a:lvl8pPr>
+            <a:lvl9pPr marL="3886200" indent="-228600" algn="l" defTabSz="457200" rtl="0" eaLnBrk="1" latinLnBrk="0" hangingPunct="1">
+              <a:spcBef>
+                <a:spcPts val="1000"/>
+              </a:spcBef>
+              <a:spcAft>
+                <a:spcPts val="0"/>
+              </a:spcAft>
+              <a:buClr>
+                <a:schemeClr val="bg2">
+                  <a:lumMod val="40000"/>
+                  <a:lumOff val="60000"/>
+                </a:schemeClr>
+              </a:buClr>
+              <a:buSzPct val="80000"/>
+              <a:buFont typeface="Wingdings 3" charset="2"/>
+              <a:buChar char=""/>
+              <a:defRPr sz="1400" b="0" i="0" kern="1200">
+                <a:solidFill>
+                  <a:schemeClr val="tx1"/>
+                </a:solidFill>
+                <a:latin typeface="+mj-lt"/>
+                <a:ea typeface="+mj-ea"/>
+                <a:cs typeface="+mj-cs"/>
+              </a:defRPr>
+            </a:lvl9pPr>
+          </a:lstStyle>
+          <a:p>
+            <a:r>
+              <a:rPr lang="en-US" smtClean="0"/>
+              <a:t>By Arash Jafarzadeh</a:t>
             </a:r>
             <a:endParaRPr lang="en-US" dirty="0" smtClean="0"/>
           </a:p>
@@ -6066,14 +6380,14 @@
       </p:sp>
       <p:pic>
         <p:nvPicPr>
-          <p:cNvPr id="4" name="Picture 3"/>
+          <p:cNvPr id="11" name="Picture 10"/>
           <p:cNvPicPr>
             <a:picLocks noChangeAspect="1"/>
           </p:cNvPicPr>
           <p:nvPr/>
         </p:nvPicPr>
         <p:blipFill>
-          <a:blip r:embed="rId4">
+          <a:blip r:embed="rId2">
             <a:extLst>
               <a:ext uri="{28A0092B-C50C-407E-A947-70E740481C1C}">
                 <a14:useLocalDpi xmlns:a14="http://schemas.microsoft.com/office/drawing/2010/main" val="0"/>
@@ -6094,141 +6408,20 @@
           </a:prstGeom>
         </p:spPr>
       </p:pic>
-      <p:pic>
-        <p:nvPicPr>
-          <p:cNvPr id="5" name="Audio 4">
-            <a:hlinkClick r:id="" action="ppaction://media"/>
-          </p:cNvPr>
-          <p:cNvPicPr>
-            <a:picLocks noChangeAspect="1"/>
-          </p:cNvPicPr>
-          <p:nvPr>
-            <a:audioFile r:link="rId2"/>
-            <p:extLst>
-              <p:ext uri="{DAA4B4D4-6D71-4841-9C94-3DE7FCFB9230}">
-                <p14:media xmlns:p14="http://schemas.microsoft.com/office/powerpoint/2010/main" r:embed="rId1"/>
-              </p:ext>
-            </p:extLst>
-          </p:nvPr>
-        </p:nvPicPr>
-        <p:blipFill>
-          <a:blip r:embed="rId5"/>
-          <a:stretch>
-            <a:fillRect/>
-          </a:stretch>
-        </p:blipFill>
-        <p:spPr>
-          <a:xfrm>
-            <a:off x="11430000" y="6096000"/>
-            <a:ext cx="609600" cy="609600"/>
-          </a:xfrm>
-          <a:prstGeom prst="rect">
-            <a:avLst/>
-          </a:prstGeom>
-        </p:spPr>
-      </p:pic>
     </p:spTree>
     <p:extLst>
       <p:ext uri="{BB962C8B-B14F-4D97-AF65-F5344CB8AC3E}">
-        <p14:creationId xmlns:p14="http://schemas.microsoft.com/office/powerpoint/2010/main" val="3477019680"/>
+        <p14:creationId xmlns:p14="http://schemas.microsoft.com/office/powerpoint/2010/main" val="1653717734"/>
       </p:ext>
     </p:extLst>
   </p:cSld>
   <p:clrMapOvr>
     <a:masterClrMapping/>
   </p:clrMapOvr>
-  <mc:AlternateContent xmlns:mc="http://schemas.openxmlformats.org/markup-compatibility/2006">
-    <mc:Choice xmlns:p14="http://schemas.microsoft.com/office/powerpoint/2010/main" Requires="p14">
-      <p:transition spd="slow" p14:dur="2000" advTm="2012"/>
-    </mc:Choice>
-    <mc:Fallback>
-      <p:transition spd="slow" advTm="2012"/>
-    </mc:Fallback>
-  </mc:AlternateContent>
   <p:timing>
     <p:tnLst>
       <p:par>
-        <p:cTn id="1" dur="indefinite" restart="never" nodeType="tmRoot">
-          <p:childTnLst>
-            <p:seq concurrent="1" nextAc="seek">
-              <p:cTn id="2" dur="indefinite" nodeType="mainSeq">
-                <p:childTnLst>
-                  <p:par>
-                    <p:cTn id="3" fill="hold">
-                      <p:stCondLst>
-                        <p:cond delay="indefinite"/>
-                        <p:cond evt="onBegin" delay="0">
-                          <p:tn val="2"/>
-                        </p:cond>
-                      </p:stCondLst>
-                      <p:childTnLst>
-                        <p:par>
-                          <p:cTn id="4" fill="hold">
-                            <p:stCondLst>
-                              <p:cond delay="0"/>
-                            </p:stCondLst>
-                            <p:childTnLst>
-                              <p:par>
-                                <p:cTn id="5" presetID="1" presetClass="mediacall" presetSubtype="0" fill="hold" nodeType="afterEffect">
-                                  <p:stCondLst>
-                                    <p:cond delay="0"/>
-                                  </p:stCondLst>
-                                  <p:childTnLst>
-                                    <p:cmd type="call" cmd="playFrom(0.0)">
-                                      <p:cBhvr>
-                                        <p:cTn id="6" dur="1" fill="hold"/>
-                                        <p:tgtEl>
-                                          <p:spTgt spid="5"/>
-                                        </p:tgtEl>
-                                      </p:cBhvr>
-                                    </p:cmd>
-                                  </p:childTnLst>
-                                </p:cTn>
-                              </p:par>
-                            </p:childTnLst>
-                          </p:cTn>
-                        </p:par>
-                      </p:childTnLst>
-                    </p:cTn>
-                  </p:par>
-                </p:childTnLst>
-              </p:cTn>
-              <p:prevCondLst>
-                <p:cond evt="onPrev" delay="0">
-                  <p:tgtEl>
-                    <p:sldTgt/>
-                  </p:tgtEl>
-                </p:cond>
-              </p:prevCondLst>
-              <p:nextCondLst>
-                <p:cond evt="onNext" delay="0">
-                  <p:tgtEl>
-                    <p:sldTgt/>
-                  </p:tgtEl>
-                </p:cond>
-              </p:nextCondLst>
-            </p:seq>
-            <p:audio isNarration="1">
-              <p:cMediaNode vol="80000" showWhenStopped="0">
-                <p:cTn id="7" fill="hold" display="0">
-                  <p:stCondLst>
-                    <p:cond delay="indefinite"/>
-                  </p:stCondLst>
-                  <p:endCondLst>
-                    <p:cond evt="onStopAudio" delay="0">
-                      <p:tgtEl>
-                        <p:sldTgt/>
-                      </p:tgtEl>
-                    </p:cond>
-                  </p:endCondLst>
-                </p:cTn>
-                <p:tgtEl>
-                  <p:spTgt spid="5"/>
-                </p:tgtEl>
-              </p:cMediaNode>
-            </p:audio>
-          </p:childTnLst>
-        </p:cTn>
+        <p:cTn id="1" dur="indefinite" restart="never" nodeType="tmRoot"/>
       </p:par>
     </p:tnLst>
   </p:timing>
@@ -7092,6 +7285,13 @@
   <p:clrMapOvr>
     <a:masterClrMapping/>
   </p:clrMapOvr>
+  <p:timing>
+    <p:tnLst>
+      <p:par>
+        <p:cTn id="1" dur="indefinite" restart="never" nodeType="tmRoot"/>
+      </p:par>
+    </p:tnLst>
+  </p:timing>
 </p:sld>
 </file>
 
@@ -11411,11 +11611,11 @@
   <p:clrMapOvr>
     <a:masterClrMapping/>
   </p:clrMapOvr>
-  <mc:AlternateContent xmlns:mc="http://schemas.openxmlformats.org/markup-compatibility/2006">
-    <mc:Choice xmlns:p14="http://schemas.microsoft.com/office/powerpoint/2010/main" Requires="p14">
+  <mc:AlternateContent xmlns:mc="http://schemas.openxmlformats.org/markup-compatibility/2006" xmlns:p14="http://schemas.microsoft.com/office/powerpoint/2010/main">
+    <mc:Choice Requires="p14">
       <p:transition p14:dur="0"/>
     </mc:Choice>
-    <mc:Fallback>
+    <mc:Fallback xmlns="">
       <p:transition/>
     </mc:Fallback>
   </mc:AlternateContent>
@@ -16873,14 +17073,13 @@
               <a:rPr lang="en-US" dirty="0"/>
               <a:t> is a distributed version-control system for tracking changes in source code during software development</a:t>
             </a:r>
-            <a:endParaRPr lang="en-US" dirty="0"/>
           </a:p>
         </p:txBody>
       </p:sp>
     </p:spTree>
     <p:extLst>
       <p:ext uri="{BB962C8B-B14F-4D97-AF65-F5344CB8AC3E}">
-        <p14:creationId xmlns:p14="http://schemas.microsoft.com/office/powerpoint/2010/main" val="1653717734"/>
+        <p14:creationId xmlns:p14="http://schemas.microsoft.com/office/powerpoint/2010/main" val="1348066659"/>
       </p:ext>
     </p:extLst>
   </p:cSld>
@@ -16941,35 +17140,569 @@
           </a:p>
         </p:txBody>
       </p:sp>
-      <p:pic>
-        <p:nvPicPr>
-          <p:cNvPr id="4" name="Content Placeholder 3"/>
-          <p:cNvPicPr>
-            <a:picLocks noGrp="1" noChangeAspect="1"/>
-          </p:cNvPicPr>
-          <p:nvPr>
-            <p:ph idx="1"/>
-          </p:nvPr>
-        </p:nvPicPr>
-        <p:blipFill>
-          <a:blip r:embed="rId2">
-            <a:extLst>
-              <a:ext uri="{28A0092B-C50C-407E-A947-70E740481C1C}">
-                <a14:useLocalDpi xmlns:a14="http://schemas.microsoft.com/office/drawing/2010/main" val="0"/>
-              </a:ext>
-            </a:extLst>
-          </a:blip>
-          <a:stretch>
-            <a:fillRect/>
-          </a:stretch>
-        </p:blipFill>
-        <p:spPr>
-          <a:xfrm>
-            <a:off x="1771208" y="2052638"/>
-            <a:ext cx="7611359" cy="4195762"/>
-          </a:xfrm>
-        </p:spPr>
-      </p:pic>
+      <p:grpSp>
+        <p:nvGrpSpPr>
+          <p:cNvPr id="5" name="Group 4"/>
+          <p:cNvGrpSpPr/>
+          <p:nvPr/>
+        </p:nvGrpSpPr>
+        <p:grpSpPr>
+          <a:xfrm>
+            <a:off x="2952579" y="3946814"/>
+            <a:ext cx="1410653" cy="1709321"/>
+            <a:chOff x="2986087" y="3177540"/>
+            <a:chExt cx="1410653" cy="1709321"/>
+          </a:xfrm>
+        </p:grpSpPr>
+        <p:grpSp>
+          <p:nvGrpSpPr>
+            <p:cNvPr id="6" name="Group 5"/>
+            <p:cNvGrpSpPr/>
+            <p:nvPr/>
+          </p:nvGrpSpPr>
+          <p:grpSpPr>
+            <a:xfrm>
+              <a:off x="3074670" y="3177540"/>
+              <a:ext cx="1322070" cy="899160"/>
+              <a:chOff x="2754630" y="4069080"/>
+              <a:chExt cx="1322070" cy="899160"/>
+            </a:xfrm>
+          </p:grpSpPr>
+          <p:sp>
+            <p:nvSpPr>
+              <p:cNvPr id="8" name="Snip Diagonal Corner Rectangle 7"/>
+              <p:cNvSpPr/>
+              <p:nvPr/>
+            </p:nvSpPr>
+            <p:spPr>
+              <a:xfrm>
+                <a:off x="2754630" y="4069080"/>
+                <a:ext cx="1017270" cy="594360"/>
+              </a:xfrm>
+              <a:prstGeom prst="snip2DiagRect">
+                <a:avLst/>
+              </a:prstGeom>
+            </p:spPr>
+            <p:style>
+              <a:lnRef idx="2">
+                <a:schemeClr val="accent3">
+                  <a:shade val="50000"/>
+                </a:schemeClr>
+              </a:lnRef>
+              <a:fillRef idx="1">
+                <a:schemeClr val="accent3"/>
+              </a:fillRef>
+              <a:effectRef idx="0">
+                <a:schemeClr val="accent3"/>
+              </a:effectRef>
+              <a:fontRef idx="minor">
+                <a:schemeClr val="lt1"/>
+              </a:fontRef>
+            </p:style>
+            <p:txBody>
+              <a:bodyPr rtlCol="0" anchor="ctr"/>
+              <a:lstStyle/>
+              <a:p>
+                <a:pPr algn="ctr"/>
+                <a:endParaRPr lang="en-US"/>
+              </a:p>
+            </p:txBody>
+          </p:sp>
+          <p:sp>
+            <p:nvSpPr>
+              <p:cNvPr id="9" name="Snip Diagonal Corner Rectangle 8"/>
+              <p:cNvSpPr/>
+              <p:nvPr/>
+            </p:nvSpPr>
+            <p:spPr>
+              <a:xfrm>
+                <a:off x="2907030" y="4221480"/>
+                <a:ext cx="1017270" cy="594360"/>
+              </a:xfrm>
+              <a:prstGeom prst="snip2DiagRect">
+                <a:avLst/>
+              </a:prstGeom>
+            </p:spPr>
+            <p:style>
+              <a:lnRef idx="2">
+                <a:schemeClr val="accent3">
+                  <a:shade val="50000"/>
+                </a:schemeClr>
+              </a:lnRef>
+              <a:fillRef idx="1">
+                <a:schemeClr val="accent3"/>
+              </a:fillRef>
+              <a:effectRef idx="0">
+                <a:schemeClr val="accent3"/>
+              </a:effectRef>
+              <a:fontRef idx="minor">
+                <a:schemeClr val="lt1"/>
+              </a:fontRef>
+            </p:style>
+            <p:txBody>
+              <a:bodyPr rtlCol="0" anchor="ctr"/>
+              <a:lstStyle/>
+              <a:p>
+                <a:pPr algn="ctr"/>
+                <a:endParaRPr lang="en-US"/>
+              </a:p>
+            </p:txBody>
+          </p:sp>
+          <p:sp>
+            <p:nvSpPr>
+              <p:cNvPr id="10" name="Snip Diagonal Corner Rectangle 9"/>
+              <p:cNvSpPr/>
+              <p:nvPr/>
+            </p:nvSpPr>
+            <p:spPr>
+              <a:xfrm>
+                <a:off x="3059430" y="4373880"/>
+                <a:ext cx="1017270" cy="594360"/>
+              </a:xfrm>
+              <a:prstGeom prst="snip2DiagRect">
+                <a:avLst/>
+              </a:prstGeom>
+            </p:spPr>
+            <p:style>
+              <a:lnRef idx="2">
+                <a:schemeClr val="accent3">
+                  <a:shade val="50000"/>
+                </a:schemeClr>
+              </a:lnRef>
+              <a:fillRef idx="1">
+                <a:schemeClr val="accent3"/>
+              </a:fillRef>
+              <a:effectRef idx="0">
+                <a:schemeClr val="accent3"/>
+              </a:effectRef>
+              <a:fontRef idx="minor">
+                <a:schemeClr val="lt1"/>
+              </a:fontRef>
+            </p:style>
+            <p:txBody>
+              <a:bodyPr rtlCol="0" anchor="ctr"/>
+              <a:lstStyle/>
+              <a:p>
+                <a:pPr algn="ctr"/>
+                <a:endParaRPr lang="en-US"/>
+              </a:p>
+            </p:txBody>
+          </p:sp>
+        </p:grpSp>
+        <p:sp>
+          <p:nvSpPr>
+            <p:cNvPr id="7" name="TextBox 6"/>
+            <p:cNvSpPr txBox="1"/>
+            <p:nvPr/>
+          </p:nvSpPr>
+          <p:spPr>
+            <a:xfrm>
+              <a:off x="2986087" y="4240530"/>
+              <a:ext cx="1410653" cy="646331"/>
+            </a:xfrm>
+            <a:prstGeom prst="rect">
+              <a:avLst/>
+            </a:prstGeom>
+            <a:noFill/>
+          </p:spPr>
+          <p:txBody>
+            <a:bodyPr wrap="square" rtlCol="0">
+              <a:spAutoFit/>
+            </a:bodyPr>
+            <a:lstStyle/>
+            <a:p>
+              <a:pPr algn="ctr"/>
+              <a:r>
+                <a:rPr lang="en-US" dirty="0" smtClean="0"/>
+                <a:t>Working</a:t>
+              </a:r>
+            </a:p>
+            <a:p>
+              <a:pPr algn="ctr"/>
+              <a:r>
+                <a:rPr lang="en-US" dirty="0" smtClean="0"/>
+                <a:t>Directory</a:t>
+              </a:r>
+              <a:endParaRPr lang="en-US" dirty="0"/>
+            </a:p>
+          </p:txBody>
+        </p:sp>
+      </p:grpSp>
+      <p:grpSp>
+        <p:nvGrpSpPr>
+          <p:cNvPr id="11" name="Group 10"/>
+          <p:cNvGrpSpPr/>
+          <p:nvPr/>
+        </p:nvGrpSpPr>
+        <p:grpSpPr>
+          <a:xfrm>
+            <a:off x="5314964" y="3830609"/>
+            <a:ext cx="1131570" cy="1641306"/>
+            <a:chOff x="5348472" y="3061335"/>
+            <a:chExt cx="1131570" cy="1641306"/>
+          </a:xfrm>
+        </p:grpSpPr>
+        <p:sp>
+          <p:nvSpPr>
+            <p:cNvPr id="12" name="Oval 11"/>
+            <p:cNvSpPr/>
+            <p:nvPr/>
+          </p:nvSpPr>
+          <p:spPr>
+            <a:xfrm>
+              <a:off x="5348472" y="3061335"/>
+              <a:ext cx="1131570" cy="1131570"/>
+            </a:xfrm>
+            <a:prstGeom prst="ellipse">
+              <a:avLst/>
+            </a:prstGeom>
+            <a:solidFill>
+              <a:schemeClr val="tx1">
+                <a:lumMod val="85000"/>
+              </a:schemeClr>
+            </a:solidFill>
+            <a:ln>
+              <a:solidFill>
+                <a:schemeClr val="bg1">
+                  <a:lumMod val="65000"/>
+                  <a:lumOff val="35000"/>
+                </a:schemeClr>
+              </a:solidFill>
+            </a:ln>
+          </p:spPr>
+          <p:style>
+            <a:lnRef idx="2">
+              <a:schemeClr val="accent1">
+                <a:shade val="50000"/>
+              </a:schemeClr>
+            </a:lnRef>
+            <a:fillRef idx="1">
+              <a:schemeClr val="accent1"/>
+            </a:fillRef>
+            <a:effectRef idx="0">
+              <a:schemeClr val="accent1"/>
+            </a:effectRef>
+            <a:fontRef idx="minor">
+              <a:schemeClr val="lt1"/>
+            </a:fontRef>
+          </p:style>
+          <p:txBody>
+            <a:bodyPr rtlCol="0" anchor="ctr"/>
+            <a:lstStyle/>
+            <a:p>
+              <a:pPr algn="ctr"/>
+              <a:endParaRPr lang="en-US"/>
+            </a:p>
+          </p:txBody>
+        </p:sp>
+        <p:sp>
+          <p:nvSpPr>
+            <p:cNvPr id="13" name="TextBox 12"/>
+            <p:cNvSpPr txBox="1"/>
+            <p:nvPr/>
+          </p:nvSpPr>
+          <p:spPr>
+            <a:xfrm>
+              <a:off x="5502592" y="4333309"/>
+              <a:ext cx="869448" cy="369332"/>
+            </a:xfrm>
+            <a:prstGeom prst="rect">
+              <a:avLst/>
+            </a:prstGeom>
+            <a:noFill/>
+          </p:spPr>
+          <p:txBody>
+            <a:bodyPr wrap="square" rtlCol="0">
+              <a:spAutoFit/>
+            </a:bodyPr>
+            <a:lstStyle/>
+            <a:p>
+              <a:r>
+                <a:rPr lang="en-US" dirty="0" smtClean="0"/>
+                <a:t>Index</a:t>
+              </a:r>
+              <a:endParaRPr lang="en-US" dirty="0"/>
+            </a:p>
+          </p:txBody>
+        </p:sp>
+      </p:grpSp>
+      <p:grpSp>
+        <p:nvGrpSpPr>
+          <p:cNvPr id="14" name="Group 13"/>
+          <p:cNvGrpSpPr/>
+          <p:nvPr/>
+        </p:nvGrpSpPr>
+        <p:grpSpPr>
+          <a:xfrm>
+            <a:off x="7624592" y="2859853"/>
+            <a:ext cx="1645920" cy="3730843"/>
+            <a:chOff x="7658100" y="2090579"/>
+            <a:chExt cx="1645920" cy="3730843"/>
+          </a:xfrm>
+        </p:grpSpPr>
+        <p:grpSp>
+          <p:nvGrpSpPr>
+            <p:cNvPr id="15" name="Group 14"/>
+            <p:cNvGrpSpPr/>
+            <p:nvPr/>
+          </p:nvGrpSpPr>
+          <p:grpSpPr>
+            <a:xfrm>
+              <a:off x="7658100" y="2090579"/>
+              <a:ext cx="1645920" cy="2904331"/>
+              <a:chOff x="7658100" y="2113439"/>
+              <a:chExt cx="1645920" cy="2904331"/>
+            </a:xfrm>
+          </p:grpSpPr>
+          <p:sp>
+            <p:nvSpPr>
+              <p:cNvPr id="17" name="Rounded Rectangle 16"/>
+              <p:cNvSpPr/>
+              <p:nvPr/>
+            </p:nvSpPr>
+            <p:spPr>
+              <a:xfrm>
+                <a:off x="7658100" y="2113439"/>
+                <a:ext cx="1645920" cy="2904331"/>
+              </a:xfrm>
+              <a:prstGeom prst="roundRect">
+                <a:avLst/>
+              </a:prstGeom>
+              <a:solidFill>
+                <a:srgbClr val="0D2325"/>
+              </a:solidFill>
+              <a:ln>
+                <a:solidFill>
+                  <a:schemeClr val="bg2">
+                    <a:lumMod val="75000"/>
+                  </a:schemeClr>
+                </a:solidFill>
+              </a:ln>
+            </p:spPr>
+            <p:style>
+              <a:lnRef idx="2">
+                <a:schemeClr val="accent1">
+                  <a:shade val="50000"/>
+                </a:schemeClr>
+              </a:lnRef>
+              <a:fillRef idx="1">
+                <a:schemeClr val="accent1"/>
+              </a:fillRef>
+              <a:effectRef idx="0">
+                <a:schemeClr val="accent1"/>
+              </a:effectRef>
+              <a:fontRef idx="minor">
+                <a:schemeClr val="lt1"/>
+              </a:fontRef>
+            </p:style>
+            <p:txBody>
+              <a:bodyPr rtlCol="0" anchor="ctr"/>
+              <a:lstStyle/>
+              <a:p>
+                <a:pPr algn="ctr"/>
+                <a:endParaRPr lang="en-US"/>
+              </a:p>
+            </p:txBody>
+          </p:sp>
+          <p:sp>
+            <p:nvSpPr>
+              <p:cNvPr id="18" name="Oval 17"/>
+              <p:cNvSpPr/>
+              <p:nvPr/>
+            </p:nvSpPr>
+            <p:spPr>
+              <a:xfrm>
+                <a:off x="8066720" y="4004310"/>
+                <a:ext cx="828675" cy="828675"/>
+              </a:xfrm>
+              <a:prstGeom prst="ellipse">
+                <a:avLst/>
+              </a:prstGeom>
+              <a:solidFill>
+                <a:schemeClr val="tx1">
+                  <a:lumMod val="85000"/>
+                </a:schemeClr>
+              </a:solidFill>
+              <a:ln>
+                <a:solidFill>
+                  <a:schemeClr val="bg1">
+                    <a:lumMod val="65000"/>
+                    <a:lumOff val="35000"/>
+                  </a:schemeClr>
+                </a:solidFill>
+              </a:ln>
+            </p:spPr>
+            <p:style>
+              <a:lnRef idx="2">
+                <a:schemeClr val="accent1">
+                  <a:shade val="50000"/>
+                </a:schemeClr>
+              </a:lnRef>
+              <a:fillRef idx="1">
+                <a:schemeClr val="accent1"/>
+              </a:fillRef>
+              <a:effectRef idx="0">
+                <a:schemeClr val="accent1"/>
+              </a:effectRef>
+              <a:fontRef idx="minor">
+                <a:schemeClr val="lt1"/>
+              </a:fontRef>
+            </p:style>
+            <p:txBody>
+              <a:bodyPr rtlCol="0" anchor="ctr"/>
+              <a:lstStyle/>
+              <a:p>
+                <a:pPr algn="ctr"/>
+                <a:endParaRPr lang="en-US"/>
+              </a:p>
+            </p:txBody>
+          </p:sp>
+          <p:sp>
+            <p:nvSpPr>
+              <p:cNvPr id="19" name="Oval 18"/>
+              <p:cNvSpPr/>
+              <p:nvPr/>
+            </p:nvSpPr>
+            <p:spPr>
+              <a:xfrm>
+                <a:off x="8066720" y="3105426"/>
+                <a:ext cx="828675" cy="828675"/>
+              </a:xfrm>
+              <a:prstGeom prst="ellipse">
+                <a:avLst/>
+              </a:prstGeom>
+              <a:solidFill>
+                <a:schemeClr val="tx1">
+                  <a:lumMod val="85000"/>
+                </a:schemeClr>
+              </a:solidFill>
+              <a:ln>
+                <a:solidFill>
+                  <a:schemeClr val="bg1">
+                    <a:lumMod val="65000"/>
+                    <a:lumOff val="35000"/>
+                  </a:schemeClr>
+                </a:solidFill>
+              </a:ln>
+            </p:spPr>
+            <p:style>
+              <a:lnRef idx="2">
+                <a:schemeClr val="accent1">
+                  <a:shade val="50000"/>
+                </a:schemeClr>
+              </a:lnRef>
+              <a:fillRef idx="1">
+                <a:schemeClr val="accent1"/>
+              </a:fillRef>
+              <a:effectRef idx="0">
+                <a:schemeClr val="accent1"/>
+              </a:effectRef>
+              <a:fontRef idx="minor">
+                <a:schemeClr val="lt1"/>
+              </a:fontRef>
+            </p:style>
+            <p:txBody>
+              <a:bodyPr rtlCol="0" anchor="ctr"/>
+              <a:lstStyle/>
+              <a:p>
+                <a:pPr algn="ctr"/>
+                <a:endParaRPr lang="en-US"/>
+              </a:p>
+            </p:txBody>
+          </p:sp>
+          <p:sp>
+            <p:nvSpPr>
+              <p:cNvPr id="20" name="Oval 19"/>
+              <p:cNvSpPr/>
+              <p:nvPr/>
+            </p:nvSpPr>
+            <p:spPr>
+              <a:xfrm>
+                <a:off x="8066720" y="2223670"/>
+                <a:ext cx="828675" cy="828675"/>
+              </a:xfrm>
+              <a:prstGeom prst="ellipse">
+                <a:avLst/>
+              </a:prstGeom>
+              <a:solidFill>
+                <a:schemeClr val="tx1">
+                  <a:lumMod val="85000"/>
+                </a:schemeClr>
+              </a:solidFill>
+              <a:ln>
+                <a:solidFill>
+                  <a:schemeClr val="bg1">
+                    <a:lumMod val="65000"/>
+                    <a:lumOff val="35000"/>
+                  </a:schemeClr>
+                </a:solidFill>
+              </a:ln>
+            </p:spPr>
+            <p:style>
+              <a:lnRef idx="2">
+                <a:schemeClr val="accent1">
+                  <a:shade val="50000"/>
+                </a:schemeClr>
+              </a:lnRef>
+              <a:fillRef idx="1">
+                <a:schemeClr val="accent1"/>
+              </a:fillRef>
+              <a:effectRef idx="0">
+                <a:schemeClr val="accent1"/>
+              </a:effectRef>
+              <a:fontRef idx="minor">
+                <a:schemeClr val="lt1"/>
+              </a:fontRef>
+            </p:style>
+            <p:txBody>
+              <a:bodyPr rtlCol="0" anchor="ctr"/>
+              <a:lstStyle/>
+              <a:p>
+                <a:pPr algn="ctr"/>
+                <a:endParaRPr lang="en-US"/>
+              </a:p>
+            </p:txBody>
+          </p:sp>
+        </p:grpSp>
+        <p:sp>
+          <p:nvSpPr>
+            <p:cNvPr id="16" name="TextBox 15"/>
+            <p:cNvSpPr txBox="1"/>
+            <p:nvPr/>
+          </p:nvSpPr>
+          <p:spPr>
+            <a:xfrm>
+              <a:off x="7893455" y="5175091"/>
+              <a:ext cx="1175203" cy="646331"/>
+            </a:xfrm>
+            <a:prstGeom prst="rect">
+              <a:avLst/>
+            </a:prstGeom>
+            <a:noFill/>
+          </p:spPr>
+          <p:txBody>
+            <a:bodyPr wrap="square" rtlCol="0">
+              <a:spAutoFit/>
+            </a:bodyPr>
+            <a:lstStyle/>
+            <a:p>
+              <a:pPr algn="ctr"/>
+              <a:r>
+                <a:rPr lang="en-US" dirty="0" smtClean="0"/>
+                <a:t>Commit</a:t>
+              </a:r>
+            </a:p>
+            <a:p>
+              <a:pPr algn="ctr"/>
+              <a:r>
+                <a:rPr lang="en-US" dirty="0" smtClean="0"/>
+                <a:t>History</a:t>
+              </a:r>
+              <a:endParaRPr lang="en-US" dirty="0"/>
+            </a:p>
+          </p:txBody>
+        </p:sp>
+      </p:grpSp>
     </p:spTree>
     <p:extLst>
       <p:ext uri="{BB962C8B-B14F-4D97-AF65-F5344CB8AC3E}">
